--- a/docs/Enhancing Hospitality IslandRest Hostel Operational Overview new.pptx
+++ b/docs/Enhancing Hospitality IslandRest Hostel Operational Overview new.pptx
@@ -229,7 +229,7 @@
           <a:p>
             <a:fld id="{E2A14BD9-4B19-4AF2-8138-683BC1E546AE}" type="datetimeFigureOut">
               <a:rPr lang="en-US" smtClean="0"/>
-              <a:t>6/24/2024</a:t>
+              <a:t>6/30/2024</a:t>
             </a:fld>
             <a:endParaRPr lang="en-US"/>
           </a:p>
@@ -1083,7 +1083,7 @@
           <a:p>
             <a:fld id="{CACCFD1D-6D4E-429A-A1DF-73FBEC1F4FA3}" type="datetimeFigureOut">
               <a:rPr lang="en-US" smtClean="0"/>
-              <a:t>6/24/2024</a:t>
+              <a:t>6/30/2024</a:t>
             </a:fld>
             <a:endParaRPr lang="en-US"/>
           </a:p>
@@ -1281,7 +1281,7 @@
           <a:p>
             <a:fld id="{CACCFD1D-6D4E-429A-A1DF-73FBEC1F4FA3}" type="datetimeFigureOut">
               <a:rPr lang="en-US" smtClean="0"/>
-              <a:t>6/24/2024</a:t>
+              <a:t>6/30/2024</a:t>
             </a:fld>
             <a:endParaRPr lang="en-US"/>
           </a:p>
@@ -1489,7 +1489,7 @@
           <a:p>
             <a:fld id="{CACCFD1D-6D4E-429A-A1DF-73FBEC1F4FA3}" type="datetimeFigureOut">
               <a:rPr lang="en-US" smtClean="0"/>
-              <a:t>6/24/2024</a:t>
+              <a:t>6/30/2024</a:t>
             </a:fld>
             <a:endParaRPr lang="en-US"/>
           </a:p>
@@ -1602,7 +1602,7 @@
           <a:p>
             <a:fld id="{E9AD8563-0631-4DD1-8C62-D7BA73C5B722}" type="datetimeFigureOut">
               <a:rPr lang="en-US" smtClean="0"/>
-              <a:t>6/24/2024</a:t>
+              <a:t>6/30/2024</a:t>
             </a:fld>
             <a:endParaRPr lang="en-US"/>
           </a:p>
@@ -1800,7 +1800,7 @@
           <a:p>
             <a:fld id="{CACCFD1D-6D4E-429A-A1DF-73FBEC1F4FA3}" type="datetimeFigureOut">
               <a:rPr lang="en-US" smtClean="0"/>
-              <a:t>6/24/2024</a:t>
+              <a:t>6/30/2024</a:t>
             </a:fld>
             <a:endParaRPr lang="en-US"/>
           </a:p>
@@ -2075,7 +2075,7 @@
           <a:p>
             <a:fld id="{CACCFD1D-6D4E-429A-A1DF-73FBEC1F4FA3}" type="datetimeFigureOut">
               <a:rPr lang="en-US" smtClean="0"/>
-              <a:t>6/24/2024</a:t>
+              <a:t>6/30/2024</a:t>
             </a:fld>
             <a:endParaRPr lang="en-US"/>
           </a:p>
@@ -2340,7 +2340,7 @@
           <a:p>
             <a:fld id="{CACCFD1D-6D4E-429A-A1DF-73FBEC1F4FA3}" type="datetimeFigureOut">
               <a:rPr lang="en-US" smtClean="0"/>
-              <a:t>6/24/2024</a:t>
+              <a:t>6/30/2024</a:t>
             </a:fld>
             <a:endParaRPr lang="en-US"/>
           </a:p>
@@ -2752,7 +2752,7 @@
           <a:p>
             <a:fld id="{CACCFD1D-6D4E-429A-A1DF-73FBEC1F4FA3}" type="datetimeFigureOut">
               <a:rPr lang="en-US" smtClean="0"/>
-              <a:t>6/24/2024</a:t>
+              <a:t>6/30/2024</a:t>
             </a:fld>
             <a:endParaRPr lang="en-US"/>
           </a:p>
@@ -2893,7 +2893,7 @@
           <a:p>
             <a:fld id="{CACCFD1D-6D4E-429A-A1DF-73FBEC1F4FA3}" type="datetimeFigureOut">
               <a:rPr lang="en-US" smtClean="0"/>
-              <a:t>6/24/2024</a:t>
+              <a:t>6/30/2024</a:t>
             </a:fld>
             <a:endParaRPr lang="en-US"/>
           </a:p>
@@ -3006,7 +3006,7 @@
           <a:p>
             <a:fld id="{CACCFD1D-6D4E-429A-A1DF-73FBEC1F4FA3}" type="datetimeFigureOut">
               <a:rPr lang="en-US" smtClean="0"/>
-              <a:t>6/24/2024</a:t>
+              <a:t>6/30/2024</a:t>
             </a:fld>
             <a:endParaRPr lang="en-US"/>
           </a:p>
@@ -3317,7 +3317,7 @@
           <a:p>
             <a:fld id="{CACCFD1D-6D4E-429A-A1DF-73FBEC1F4FA3}" type="datetimeFigureOut">
               <a:rPr lang="en-US" smtClean="0"/>
-              <a:t>6/24/2024</a:t>
+              <a:t>6/30/2024</a:t>
             </a:fld>
             <a:endParaRPr lang="en-US"/>
           </a:p>
@@ -3605,7 +3605,7 @@
           <a:p>
             <a:fld id="{CACCFD1D-6D4E-429A-A1DF-73FBEC1F4FA3}" type="datetimeFigureOut">
               <a:rPr lang="en-US" smtClean="0"/>
-              <a:t>6/24/2024</a:t>
+              <a:t>6/30/2024</a:t>
             </a:fld>
             <a:endParaRPr lang="en-US"/>
           </a:p>
@@ -3846,7 +3846,7 @@
           <a:p>
             <a:fld id="{CACCFD1D-6D4E-429A-A1DF-73FBEC1F4FA3}" type="datetimeFigureOut">
               <a:rPr lang="en-US" smtClean="0"/>
-              <a:t>6/24/2024</a:t>
+              <a:t>6/30/2024</a:t>
             </a:fld>
             <a:endParaRPr lang="en-US"/>
           </a:p>
